--- a/Lectures/DataScience_Lecture7.pptx
+++ b/Lectures/DataScience_Lecture7.pptx
@@ -585,7 +585,7 @@
           <a:bodyPr/>
           <a:lstStyle/>
           <a:p>
-            <a:endParaRPr lang="en-US"/>
+            <a:endParaRPr lang="en-US" dirty="0"/>
           </a:p>
         </p:txBody>
       </p:sp>
@@ -1000,6 +1000,90 @@
 </file>
 
 <file path=ppt/notesSlides/notesSlide7.xml><?xml version="1.0" encoding="utf-8"?>
+<p:notes xmlns:a="http://schemas.openxmlformats.org/drawingml/2006/main" xmlns:r="http://schemas.openxmlformats.org/officeDocument/2006/relationships" xmlns:p="http://schemas.openxmlformats.org/presentationml/2006/main">
+  <p:cSld>
+    <p:spTree>
+      <p:nvGrpSpPr>
+        <p:cNvPr id="1" name=""/>
+        <p:cNvGrpSpPr/>
+        <p:nvPr/>
+      </p:nvGrpSpPr>
+      <p:grpSpPr>
+        <a:xfrm>
+          <a:off x="0" y="0"/>
+          <a:ext cx="0" cy="0"/>
+          <a:chOff x="0" y="0"/>
+          <a:chExt cx="0" cy="0"/>
+        </a:xfrm>
+      </p:grpSpPr>
+      <p:sp>
+        <p:nvSpPr>
+          <p:cNvPr id="2" name="Slide Image Placeholder 1"/>
+          <p:cNvSpPr>
+            <a:spLocks noGrp="1" noRot="1" noChangeAspect="1"/>
+          </p:cNvSpPr>
+          <p:nvPr>
+            <p:ph type="sldImg"/>
+          </p:nvPr>
+        </p:nvSpPr>
+        <p:spPr/>
+      </p:sp>
+      <p:sp>
+        <p:nvSpPr>
+          <p:cNvPr id="3" name="Notes Placeholder 2"/>
+          <p:cNvSpPr>
+            <a:spLocks noGrp="1"/>
+          </p:cNvSpPr>
+          <p:nvPr>
+            <p:ph type="body" idx="1"/>
+          </p:nvPr>
+        </p:nvSpPr>
+        <p:spPr/>
+        <p:txBody>
+          <a:bodyPr/>
+          <a:lstStyle/>
+          <a:p>
+            <a:endParaRPr lang="en-US" dirty="0"/>
+          </a:p>
+        </p:txBody>
+      </p:sp>
+      <p:sp>
+        <p:nvSpPr>
+          <p:cNvPr id="4" name="Slide Number Placeholder 3"/>
+          <p:cNvSpPr>
+            <a:spLocks noGrp="1"/>
+          </p:cNvSpPr>
+          <p:nvPr>
+            <p:ph type="sldNum" sz="quarter" idx="5"/>
+          </p:nvPr>
+        </p:nvSpPr>
+        <p:spPr/>
+        <p:txBody>
+          <a:bodyPr/>
+          <a:lstStyle/>
+          <a:p>
+            <a:fld id="{D9928494-E6BA-4A26-84EE-8420C225A916}" type="slidenum">
+              <a:rPr lang="en-US" smtClean="0"/>
+              <a:t>23</a:t>
+            </a:fld>
+            <a:endParaRPr lang="en-US"/>
+          </a:p>
+        </p:txBody>
+      </p:sp>
+    </p:spTree>
+    <p:extLst>
+      <p:ext uri="{BB962C8B-B14F-4D97-AF65-F5344CB8AC3E}">
+        <p14:creationId xmlns:p14="http://schemas.microsoft.com/office/powerpoint/2010/main" val="510306695"/>
+      </p:ext>
+    </p:extLst>
+  </p:cSld>
+  <p:clrMapOvr>
+    <a:masterClrMapping/>
+  </p:clrMapOvr>
+</p:notes>
+</file>
+
+<file path=ppt/notesSlides/notesSlide8.xml><?xml version="1.0" encoding="utf-8"?>
 <p:notes xmlns:a="http://schemas.openxmlformats.org/drawingml/2006/main" xmlns:r="http://schemas.openxmlformats.org/officeDocument/2006/relationships" xmlns:p="http://schemas.openxmlformats.org/presentationml/2006/main">
   <p:cSld>
     <p:spTree>
@@ -20097,7 +20181,7 @@
           </p:nvPr>
         </p:nvPicPr>
         <p:blipFill>
-          <a:blip r:embed="rId2"/>
+          <a:blip r:embed="rId3"/>
           <a:stretch>
             <a:fillRect/>
           </a:stretch>
@@ -20238,7 +20322,7 @@
           </p:nvPr>
         </p:nvPicPr>
         <p:blipFill>
-          <a:blip r:embed="rId3"/>
+          <a:blip r:embed="rId4"/>
           <a:stretch>
             <a:fillRect/>
           </a:stretch>

--- a/Lectures/DataScience_Lecture7.pptx
+++ b/Lectures/DataScience_Lecture7.pptx
@@ -565,7 +565,7 @@
           <a:ln/>
           <a:extLst>
             <a:ext uri="{FAA26D3D-D897-4be2-8F04-BA451C77F1D7}">
-              <ma14:placeholderFlag xmlns:ma14="http://schemas.microsoft.com/office/mac/drawingml/2011/main" xmlns="" val="1"/>
+              <ma14:placeholderFlag xmlns="" xmlns:ma14="http://schemas.microsoft.com/office/mac/drawingml/2011/main" val="1"/>
             </a:ext>
           </a:extLst>
         </p:spPr>
@@ -822,7 +822,7 @@
           <a:ln/>
           <a:extLst>
             <a:ext uri="{FAA26D3D-D897-4be2-8F04-BA451C77F1D7}">
-              <ma14:placeholderFlag xmlns:ma14="http://schemas.microsoft.com/office/mac/drawingml/2011/main" xmlns="" val="1"/>
+              <ma14:placeholderFlag xmlns="" xmlns:ma14="http://schemas.microsoft.com/office/mac/drawingml/2011/main" val="1"/>
             </a:ext>
           </a:extLst>
         </p:spPr>
@@ -11297,14 +11297,14 @@
           <a:effectLst/>
           <a:extLst>
             <a:ext uri="{909E8E84-426E-40dd-AFC4-6F175D3DCCD1}">
-              <a14:hiddenFill xmlns="" xmlns:a14="http://schemas.microsoft.com/office/drawing/2010/main">
+              <a14:hiddenFill xmlns:a14="http://schemas.microsoft.com/office/drawing/2010/main" xmlns="">
                 <a:solidFill>
                   <a:schemeClr val="accent1"/>
                 </a:solidFill>
               </a14:hiddenFill>
             </a:ext>
             <a:ext uri="{91240B29-F687-4f45-9708-019B960494DF}">
-              <a14:hiddenLine xmlns="" xmlns:a14="http://schemas.microsoft.com/office/drawing/2010/main" w="9525">
+              <a14:hiddenLine xmlns:a14="http://schemas.microsoft.com/office/drawing/2010/main" xmlns="" w="9525">
                 <a:solidFill>
                   <a:schemeClr val="tx1"/>
                 </a:solidFill>
@@ -11314,7 +11314,7 @@
               </a14:hiddenLine>
             </a:ext>
             <a:ext uri="{AF507438-7753-43e0-B8FC-AC1667EBCBE1}">
-              <a14:hiddenEffects xmlns="" xmlns:a14="http://schemas.microsoft.com/office/drawing/2010/main">
+              <a14:hiddenEffects xmlns:a14="http://schemas.microsoft.com/office/drawing/2010/main" xmlns="">
                 <a:effectLst>
                   <a:outerShdw blurRad="63500" dist="38099" dir="2700000" algn="ctr" rotWithShape="0">
                     <a:schemeClr val="bg2">
@@ -11500,14 +11500,14 @@
           <a:effectLst/>
           <a:extLst>
             <a:ext uri="{909E8E84-426E-40dd-AFC4-6F175D3DCCD1}">
-              <a14:hiddenFill xmlns="" xmlns:a14="http://schemas.microsoft.com/office/drawing/2010/main">
+              <a14:hiddenFill xmlns:a14="http://schemas.microsoft.com/office/drawing/2010/main" xmlns="">
                 <a:solidFill>
                   <a:schemeClr val="accent1"/>
                 </a:solidFill>
               </a14:hiddenFill>
             </a:ext>
             <a:ext uri="{91240B29-F687-4f45-9708-019B960494DF}">
-              <a14:hiddenLine xmlns="" xmlns:a14="http://schemas.microsoft.com/office/drawing/2010/main" w="9525">
+              <a14:hiddenLine xmlns:a14="http://schemas.microsoft.com/office/drawing/2010/main" xmlns="" w="9525">
                 <a:solidFill>
                   <a:schemeClr val="tx1"/>
                 </a:solidFill>
@@ -11517,7 +11517,7 @@
               </a14:hiddenLine>
             </a:ext>
             <a:ext uri="{AF507438-7753-43e0-B8FC-AC1667EBCBE1}">
-              <a14:hiddenEffects xmlns="" xmlns:a14="http://schemas.microsoft.com/office/drawing/2010/main">
+              <a14:hiddenEffects xmlns:a14="http://schemas.microsoft.com/office/drawing/2010/main" xmlns="">
                 <a:effectLst>
                   <a:outerShdw blurRad="63500" dist="38099" dir="2700000" algn="ctr" rotWithShape="0">
                     <a:schemeClr val="bg2">
@@ -38597,14 +38597,14 @@
                       <a:effectLst/>
                       <a:extLst>
                         <a:ext uri="{909E8E84-426E-40dd-AFC4-6F175D3DCCD1}">
-                          <a14:hiddenFill xmlns="" xmlns:a14="http://schemas.microsoft.com/office/drawing/2010/main">
+                          <a14:hiddenFill xmlns:a14="http://schemas.microsoft.com/office/drawing/2010/main" xmlns="">
                             <a:solidFill>
                               <a:srgbClr val="FFFFFF"/>
                             </a:solidFill>
                           </a14:hiddenFill>
                         </a:ext>
                         <a:ext uri="{AF507438-7753-43e0-B8FC-AC1667EBCBE1}">
-                          <a14:hiddenEffects xmlns="" xmlns:a14="http://schemas.microsoft.com/office/drawing/2010/main">
+                          <a14:hiddenEffects xmlns:a14="http://schemas.microsoft.com/office/drawing/2010/main" xmlns="">
                             <a:effectLst>
                               <a:outerShdw blurRad="63500" dist="38099" dir="2700000" algn="ctr" rotWithShape="0">
                                 <a:srgbClr val="000000">
@@ -38685,14 +38685,14 @@
                       <a:effectLst/>
                       <a:extLst>
                         <a:ext uri="{909E8E84-426E-40dd-AFC4-6F175D3DCCD1}">
-                          <a14:hiddenFill xmlns="" xmlns:a14="http://schemas.microsoft.com/office/drawing/2010/main">
+                          <a14:hiddenFill xmlns:a14="http://schemas.microsoft.com/office/drawing/2010/main" xmlns="">
                             <a:solidFill>
                               <a:srgbClr val="FFFFFF"/>
                             </a:solidFill>
                           </a14:hiddenFill>
                         </a:ext>
                         <a:ext uri="{AF507438-7753-43e0-B8FC-AC1667EBCBE1}">
-                          <a14:hiddenEffects xmlns="" xmlns:a14="http://schemas.microsoft.com/office/drawing/2010/main">
+                          <a14:hiddenEffects xmlns:a14="http://schemas.microsoft.com/office/drawing/2010/main" xmlns="">
                             <a:effectLst>
                               <a:outerShdw blurRad="63500" dist="38099" dir="2700000" algn="ctr" rotWithShape="0">
                                 <a:srgbClr val="000000">
@@ -38773,14 +38773,14 @@
                       <a:effectLst/>
                       <a:extLst>
                         <a:ext uri="{909E8E84-426E-40dd-AFC4-6F175D3DCCD1}">
-                          <a14:hiddenFill xmlns="" xmlns:a14="http://schemas.microsoft.com/office/drawing/2010/main">
+                          <a14:hiddenFill xmlns:a14="http://schemas.microsoft.com/office/drawing/2010/main" xmlns="">
                             <a:solidFill>
                               <a:srgbClr val="FFFFFF"/>
                             </a:solidFill>
                           </a14:hiddenFill>
                         </a:ext>
                         <a:ext uri="{AF507438-7753-43e0-B8FC-AC1667EBCBE1}">
-                          <a14:hiddenEffects xmlns="" xmlns:a14="http://schemas.microsoft.com/office/drawing/2010/main">
+                          <a14:hiddenEffects xmlns:a14="http://schemas.microsoft.com/office/drawing/2010/main" xmlns="">
                             <a:effectLst>
                               <a:outerShdw blurRad="63500" dist="38099" dir="2700000" algn="ctr" rotWithShape="0">
                                 <a:srgbClr val="000000">
